--- a/Images/Figures_To_Review/PieCharts_Metabolic/ALL/PieWithRictorv2.pptx
+++ b/Images/Figures_To_Review/PieCharts_Metabolic/ALL/PieWithRictorv2.pptx
@@ -307,7 +307,7 @@
           <a:p>
             <a:fld id="{E6744CE3-0875-4B69-89C0-6F72D8139561}" type="datetimeFigureOut">
               <a:rPr lang="en-GB" smtClean="0"/>
-              <a:t>14/05/2025</a:t>
+              <a:t>15/05/2025</a:t>
             </a:fld>
             <a:endParaRPr lang="en-GB"/>
           </a:p>
@@ -477,7 +477,7 @@
           <a:p>
             <a:fld id="{E6744CE3-0875-4B69-89C0-6F72D8139561}" type="datetimeFigureOut">
               <a:rPr lang="en-GB" smtClean="0"/>
-              <a:t>14/05/2025</a:t>
+              <a:t>15/05/2025</a:t>
             </a:fld>
             <a:endParaRPr lang="en-GB"/>
           </a:p>
@@ -723,7 +723,7 @@
           <a:p>
             <a:fld id="{E6744CE3-0875-4B69-89C0-6F72D8139561}" type="datetimeFigureOut">
               <a:rPr lang="en-GB" smtClean="0"/>
-              <a:t>14/05/2025</a:t>
+              <a:t>15/05/2025</a:t>
             </a:fld>
             <a:endParaRPr lang="en-GB"/>
           </a:p>
@@ -1011,7 +1011,7 @@
           <a:p>
             <a:fld id="{E6744CE3-0875-4B69-89C0-6F72D8139561}" type="datetimeFigureOut">
               <a:rPr lang="en-GB" smtClean="0"/>
-              <a:t>14/05/2025</a:t>
+              <a:t>15/05/2025</a:t>
             </a:fld>
             <a:endParaRPr lang="en-GB"/>
           </a:p>
@@ -1433,7 +1433,7 @@
           <a:p>
             <a:fld id="{E6744CE3-0875-4B69-89C0-6F72D8139561}" type="datetimeFigureOut">
               <a:rPr lang="en-GB" smtClean="0"/>
-              <a:t>14/05/2025</a:t>
+              <a:t>15/05/2025</a:t>
             </a:fld>
             <a:endParaRPr lang="en-GB"/>
           </a:p>
@@ -1551,7 +1551,7 @@
           <a:p>
             <a:fld id="{E6744CE3-0875-4B69-89C0-6F72D8139561}" type="datetimeFigureOut">
               <a:rPr lang="en-GB" smtClean="0"/>
-              <a:t>14/05/2025</a:t>
+              <a:t>15/05/2025</a:t>
             </a:fld>
             <a:endParaRPr lang="en-GB"/>
           </a:p>
@@ -1646,7 +1646,7 @@
           <a:p>
             <a:fld id="{E6744CE3-0875-4B69-89C0-6F72D8139561}" type="datetimeFigureOut">
               <a:rPr lang="en-GB" smtClean="0"/>
-              <a:t>14/05/2025</a:t>
+              <a:t>15/05/2025</a:t>
             </a:fld>
             <a:endParaRPr lang="en-GB"/>
           </a:p>
@@ -1859,7 +1859,7 @@
           <a:p>
             <a:fld id="{E6744CE3-0875-4B69-89C0-6F72D8139561}" type="datetimeFigureOut">
               <a:rPr lang="en-GB" smtClean="0"/>
-              <a:t>14/05/2025</a:t>
+              <a:t>15/05/2025</a:t>
             </a:fld>
             <a:endParaRPr lang="en-GB"/>
           </a:p>
@@ -2238,7 +2238,7 @@
         </p:nvGrpSpPr>
         <p:grpSpPr>
           <a:xfrm>
-            <a:off x="-540568" y="188640"/>
+            <a:off x="-722563" y="116632"/>
             <a:ext cx="9864080" cy="6400800"/>
             <a:chOff x="194320" y="914400"/>
             <a:chExt cx="9864080" cy="6400800"/>
@@ -3968,7 +3968,7 @@
                 </a:spcAft>
               </a:pPr>
               <a:r>
-                <a:rPr sz="1707" dirty="0">
+                <a:rPr sz="1200" dirty="0">
                   <a:solidFill>
                     <a:srgbClr val="000000">
                       <a:alpha val="100000"/>
@@ -3990,7 +3990,7 @@
           </p:nvSpPr>
           <p:spPr>
             <a:xfrm>
-              <a:off x="6023370" y="1215777"/>
+              <a:off x="5768370" y="1183652"/>
               <a:ext cx="855806" cy="163560"/>
             </a:xfrm>
             <a:prstGeom prst="rect">
@@ -4014,7 +4014,7 @@
                 </a:spcAft>
               </a:pPr>
               <a:r>
-                <a:rPr sz="1707" dirty="0">
+                <a:rPr sz="1200" dirty="0">
                   <a:solidFill>
                     <a:srgbClr val="000000">
                       <a:alpha val="100000"/>
@@ -4060,7 +4060,7 @@
                 </a:spcAft>
               </a:pPr>
               <a:r>
-                <a:rPr sz="1707" dirty="0">
+                <a:rPr sz="1200" dirty="0">
                   <a:solidFill>
                     <a:srgbClr val="000000">
                       <a:alpha val="100000"/>
@@ -4106,7 +4106,7 @@
                 </a:spcAft>
               </a:pPr>
               <a:r>
-                <a:rPr sz="1707" dirty="0">
+                <a:rPr sz="1200" dirty="0">
                   <a:solidFill>
                     <a:srgbClr val="000000">
                       <a:alpha val="100000"/>
@@ -4152,6 +4152,18 @@
                 </a:spcAft>
               </a:pPr>
               <a:r>
+                <a:rPr sz="1200" dirty="0">
+                  <a:solidFill>
+                    <a:srgbClr val="000000">
+                      <a:alpha val="100000"/>
+                    </a:srgbClr>
+                  </a:solidFill>
+                  <a:latin typeface="Arial"/>
+                  <a:cs typeface="Arial"/>
+                </a:rPr>
+                <a:t>Mixotroph</a:t>
+              </a:r>
+              <a:r>
                 <a:rPr sz="1707" dirty="0">
                   <a:solidFill>
                     <a:srgbClr val="000000">
@@ -4161,7 +4173,7 @@
                   <a:latin typeface="Arial"/>
                   <a:cs typeface="Arial"/>
                 </a:rPr>
-                <a:t>Mixotroph </a:t>
+                <a:t> </a:t>
               </a:r>
             </a:p>
           </p:txBody>
@@ -4174,7 +4186,7 @@
           </p:nvSpPr>
           <p:spPr>
             <a:xfrm>
-              <a:off x="6141990" y="5998252"/>
+              <a:off x="6070215" y="5930458"/>
               <a:ext cx="855806" cy="163560"/>
             </a:xfrm>
             <a:prstGeom prst="rect">
@@ -4198,7 +4210,7 @@
                 </a:spcAft>
               </a:pPr>
               <a:r>
-                <a:rPr sz="1707" dirty="0">
+                <a:rPr sz="1200" dirty="0">
                   <a:solidFill>
                     <a:srgbClr val="000000">
                       <a:alpha val="100000"/>
@@ -4220,7 +4232,7 @@
           </p:nvSpPr>
           <p:spPr>
             <a:xfrm>
-              <a:off x="4074820" y="4536810"/>
+              <a:off x="4226868" y="4620894"/>
               <a:ext cx="1205158" cy="198283"/>
             </a:xfrm>
             <a:prstGeom prst="rect">
@@ -4244,6 +4256,18 @@
                 </a:spcAft>
               </a:pPr>
               <a:r>
+                <a:rPr sz="1200" dirty="0">
+                  <a:solidFill>
+                    <a:srgbClr val="000000">
+                      <a:alpha val="100000"/>
+                    </a:srgbClr>
+                  </a:solidFill>
+                  <a:latin typeface="Arial"/>
+                  <a:cs typeface="Arial"/>
+                </a:rPr>
+                <a:t>Heterotroph</a:t>
+              </a:r>
+              <a:r>
                 <a:rPr sz="1707" dirty="0">
                   <a:solidFill>
                     <a:srgbClr val="000000">
@@ -4253,7 +4277,7 @@
                   <a:latin typeface="Arial"/>
                   <a:cs typeface="Arial"/>
                 </a:rPr>
-                <a:t>Heterotroph </a:t>
+                <a:t> </a:t>
               </a:r>
             </a:p>
           </p:txBody>
@@ -4290,7 +4314,7 @@
                 </a:spcAft>
               </a:pPr>
               <a:r>
-                <a:rPr sz="1707" dirty="0">
+                <a:rPr sz="1200" dirty="0">
                   <a:solidFill>
                     <a:srgbClr val="000000">
                       <a:alpha val="100000"/>
@@ -4336,6 +4360,18 @@
                 </a:spcAft>
               </a:pPr>
               <a:r>
+                <a:rPr sz="1200" dirty="0">
+                  <a:solidFill>
+                    <a:srgbClr val="000000">
+                      <a:alpha val="100000"/>
+                    </a:srgbClr>
+                  </a:solidFill>
+                  <a:latin typeface="Arial"/>
+                  <a:cs typeface="Arial"/>
+                </a:rPr>
+                <a:t>Autotrophic</a:t>
+              </a:r>
+              <a:r>
                 <a:rPr sz="1707" dirty="0">
                   <a:solidFill>
                     <a:srgbClr val="000000">
@@ -4345,7 +4381,7 @@
                   <a:latin typeface="Arial"/>
                   <a:cs typeface="Arial"/>
                 </a:rPr>
-                <a:t>Autotrophic </a:t>
+                <a:t> </a:t>
               </a:r>
             </a:p>
           </p:txBody>
@@ -4358,7 +4394,7 @@
           </p:nvSpPr>
           <p:spPr>
             <a:xfrm>
-              <a:off x="4170211" y="1544108"/>
+              <a:off x="4102129" y="1412462"/>
               <a:ext cx="855806" cy="163560"/>
             </a:xfrm>
             <a:prstGeom prst="rect">
@@ -4382,7 +4418,7 @@
                 </a:spcAft>
               </a:pPr>
               <a:r>
-                <a:rPr sz="1707" dirty="0">
+                <a:rPr sz="1200" dirty="0">
                   <a:solidFill>
                     <a:srgbClr val="000000">
                       <a:alpha val="100000"/>
@@ -4428,7 +4464,7 @@
                 </a:spcAft>
               </a:pPr>
               <a:r>
-                <a:rPr sz="1320" dirty="0">
+                <a:rPr sz="1200" dirty="0">
                   <a:solidFill>
                     <a:srgbClr val="000000">
                       <a:alpha val="100000"/>
@@ -4439,7 +4475,7 @@
                 </a:rPr>
                 <a:t>Metabolic Strategy Breakdown of Organisms</a:t>
               </a:r>
-              <a:endParaRPr lang="en-US" sz="1320" dirty="0">
+              <a:endParaRPr lang="en-US" sz="1200" dirty="0">
                 <a:solidFill>
                   <a:srgbClr val="000000">
                     <a:alpha val="100000"/>
@@ -4462,7 +4498,7 @@
                 </a:spcAft>
               </a:pPr>
               <a:r>
-                <a:rPr sz="1320" dirty="0">
+                <a:rPr sz="1200" dirty="0">
                   <a:solidFill>
                     <a:srgbClr val="000000">
                       <a:alpha val="100000"/>
@@ -4477,6 +4513,94 @@
           </p:txBody>
         </p:sp>
       </p:grpSp>
+      <p:cxnSp>
+        <p:nvCxnSpPr>
+          <p:cNvPr id="21" name="Straight Arrow Connector 20">
+            <a:extLst>
+              <a:ext uri="{FF2B5EF4-FFF2-40B4-BE49-F238E27FC236}">
+                <a16:creationId xmlns:a16="http://schemas.microsoft.com/office/drawing/2014/main" id="{DD42CDE4-AD99-5547-A01B-0E2CF0EF44EC}"/>
+              </a:ext>
+            </a:extLst>
+          </p:cNvPr>
+          <p:cNvCxnSpPr>
+            <a:stCxn id="19" idx="2"/>
+          </p:cNvCxnSpPr>
+          <p:nvPr/>
+        </p:nvCxnSpPr>
+        <p:spPr>
+          <a:xfrm>
+            <a:off x="3613149" y="778254"/>
+            <a:ext cx="427903" cy="922554"/>
+          </a:xfrm>
+          <a:prstGeom prst="straightConnector1">
+            <a:avLst/>
+          </a:prstGeom>
+          <a:ln>
+            <a:solidFill>
+              <a:schemeClr val="tx1"/>
+            </a:solidFill>
+            <a:tailEnd type="triangle"/>
+          </a:ln>
+        </p:spPr>
+        <p:style>
+          <a:lnRef idx="1">
+            <a:schemeClr val="accent1"/>
+          </a:lnRef>
+          <a:fillRef idx="0">
+            <a:schemeClr val="accent1"/>
+          </a:fillRef>
+          <a:effectRef idx="0">
+            <a:schemeClr val="accent1"/>
+          </a:effectRef>
+          <a:fontRef idx="minor">
+            <a:schemeClr val="tx1"/>
+          </a:fontRef>
+        </p:style>
+      </p:cxnSp>
+      <p:cxnSp>
+        <p:nvCxnSpPr>
+          <p:cNvPr id="23" name="Straight Arrow Connector 22">
+            <a:extLst>
+              <a:ext uri="{FF2B5EF4-FFF2-40B4-BE49-F238E27FC236}">
+                <a16:creationId xmlns:a16="http://schemas.microsoft.com/office/drawing/2014/main" id="{3834A7BE-430D-02CB-5280-296BD7164E5E}"/>
+              </a:ext>
+            </a:extLst>
+          </p:cNvPr>
+          <p:cNvCxnSpPr>
+            <a:stCxn id="11" idx="2"/>
+          </p:cNvCxnSpPr>
+          <p:nvPr/>
+        </p:nvCxnSpPr>
+        <p:spPr>
+          <a:xfrm flipH="1">
+            <a:off x="4678037" y="549444"/>
+            <a:ext cx="601353" cy="863332"/>
+          </a:xfrm>
+          <a:prstGeom prst="straightConnector1">
+            <a:avLst/>
+          </a:prstGeom>
+          <a:ln>
+            <a:solidFill>
+              <a:schemeClr val="tx1"/>
+            </a:solidFill>
+            <a:tailEnd type="triangle"/>
+          </a:ln>
+        </p:spPr>
+        <p:style>
+          <a:lnRef idx="1">
+            <a:schemeClr val="accent1"/>
+          </a:lnRef>
+          <a:fillRef idx="0">
+            <a:schemeClr val="accent1"/>
+          </a:fillRef>
+          <a:effectRef idx="0">
+            <a:schemeClr val="accent1"/>
+          </a:effectRef>
+          <a:fontRef idx="minor">
+            <a:schemeClr val="tx1"/>
+          </a:fontRef>
+        </p:style>
+      </p:cxnSp>
     </p:spTree>
   </p:cSld>
   <p:clrMapOvr>
